--- a/Графический редактор на PyQT.pptx
+++ b/Графический редактор на PyQT.pptx
@@ -15,11 +15,11 @@
     <p:sldId id="262" r:id="rId6"/>
     <p:sldId id="258" r:id="rId7"/>
     <p:sldId id="263" r:id="rId8"/>
-    <p:sldId id="266" r:id="rId9"/>
-    <p:sldId id="264" r:id="rId10"/>
-    <p:sldId id="265" r:id="rId11"/>
-    <p:sldId id="267" r:id="rId12"/>
-    <p:sldId id="268" r:id="rId13"/>
+    <p:sldId id="271" r:id="rId9"/>
+    <p:sldId id="266" r:id="rId10"/>
+    <p:sldId id="264" r:id="rId11"/>
+    <p:sldId id="265" r:id="rId12"/>
+    <p:sldId id="267" r:id="rId13"/>
     <p:sldId id="269" r:id="rId14"/>
     <p:sldId id="270" r:id="rId15"/>
     <p:sldId id="260" r:id="rId16"/>
@@ -159,7 +159,7 @@
           <p:cNvPr id="2" name="Верхний колонтитул 1">
             <a:extLst>
               <a:ext uri="{FF2B5EF4-FFF2-40B4-BE49-F238E27FC236}">
-                <a16:creationId xmlns="" xmlns:a16="http://schemas.microsoft.com/office/drawing/2014/main" id="{C379FFB6-878B-4D89-A9F1-908C5F95EEF8}"/>
+                <a16:creationId xmlns:a16="http://schemas.microsoft.com/office/drawing/2014/main" xmlns="" id="{C379FFB6-878B-4D89-A9F1-908C5F95EEF8}"/>
               </a:ext>
             </a:extLst>
           </p:cNvPr>
@@ -196,7 +196,7 @@
           <p:cNvPr id="3" name="Дата 2">
             <a:extLst>
               <a:ext uri="{FF2B5EF4-FFF2-40B4-BE49-F238E27FC236}">
-                <a16:creationId xmlns="" xmlns:a16="http://schemas.microsoft.com/office/drawing/2014/main" id="{962E99EC-6DAC-40C4-9CB0-839F70689795}"/>
+                <a16:creationId xmlns:a16="http://schemas.microsoft.com/office/drawing/2014/main" xmlns="" id="{962E99EC-6DAC-40C4-9CB0-839F70689795}"/>
               </a:ext>
             </a:extLst>
           </p:cNvPr>
@@ -237,7 +237,7 @@
           <p:cNvPr id="4" name="Нижний колонтитул 3">
             <a:extLst>
               <a:ext uri="{FF2B5EF4-FFF2-40B4-BE49-F238E27FC236}">
-                <a16:creationId xmlns="" xmlns:a16="http://schemas.microsoft.com/office/drawing/2014/main" id="{4F36B973-D323-4241-8653-DEF1D8539A9B}"/>
+                <a16:creationId xmlns:a16="http://schemas.microsoft.com/office/drawing/2014/main" xmlns="" id="{4F36B973-D323-4241-8653-DEF1D8539A9B}"/>
               </a:ext>
             </a:extLst>
           </p:cNvPr>
@@ -274,7 +274,7 @@
           <p:cNvPr id="5" name="Номер слайда 4">
             <a:extLst>
               <a:ext uri="{FF2B5EF4-FFF2-40B4-BE49-F238E27FC236}">
-                <a16:creationId xmlns="" xmlns:a16="http://schemas.microsoft.com/office/drawing/2014/main" id="{83A8A117-4B44-48FF-836C-74493A3812B0}"/>
+                <a16:creationId xmlns:a16="http://schemas.microsoft.com/office/drawing/2014/main" xmlns="" id="{83A8A117-4B44-48FF-836C-74493A3812B0}"/>
               </a:ext>
             </a:extLst>
           </p:cNvPr>
@@ -1164,7 +1164,7 @@
     </p:spTree>
     <p:extLst>
       <p:ext uri="{BB962C8B-B14F-4D97-AF65-F5344CB8AC3E}">
-        <p14:creationId xmlns:p14="http://schemas.microsoft.com/office/powerpoint/2010/main" val="2025550830"/>
+        <p14:creationId xmlns:p14="http://schemas.microsoft.com/office/powerpoint/2010/main" val="2399757183"/>
       </p:ext>
     </p:extLst>
   </p:cSld>
@@ -1248,7 +1248,7 @@
     </p:spTree>
     <p:extLst>
       <p:ext uri="{BB962C8B-B14F-4D97-AF65-F5344CB8AC3E}">
-        <p14:creationId xmlns:p14="http://schemas.microsoft.com/office/powerpoint/2010/main" val="3544728687"/>
+        <p14:creationId xmlns:p14="http://schemas.microsoft.com/office/powerpoint/2010/main" val="2025550830"/>
       </p:ext>
     </p:extLst>
   </p:cSld>
@@ -1332,7 +1332,7 @@
     </p:spTree>
     <p:extLst>
       <p:ext uri="{BB962C8B-B14F-4D97-AF65-F5344CB8AC3E}">
-        <p14:creationId xmlns:p14="http://schemas.microsoft.com/office/powerpoint/2010/main" val="301545688"/>
+        <p14:creationId xmlns:p14="http://schemas.microsoft.com/office/powerpoint/2010/main" val="3544728687"/>
       </p:ext>
     </p:extLst>
   </p:cSld>
@@ -1416,7 +1416,7 @@
     </p:spTree>
     <p:extLst>
       <p:ext uri="{BB962C8B-B14F-4D97-AF65-F5344CB8AC3E}">
-        <p14:creationId xmlns:p14="http://schemas.microsoft.com/office/powerpoint/2010/main" val="2462326195"/>
+        <p14:creationId xmlns:p14="http://schemas.microsoft.com/office/powerpoint/2010/main" val="301545688"/>
       </p:ext>
     </p:extLst>
   </p:cSld>
@@ -1500,7 +1500,7 @@
     </p:spTree>
     <p:extLst>
       <p:ext uri="{BB962C8B-B14F-4D97-AF65-F5344CB8AC3E}">
-        <p14:creationId xmlns:p14="http://schemas.microsoft.com/office/powerpoint/2010/main" val="3473297209"/>
+        <p14:creationId xmlns:p14="http://schemas.microsoft.com/office/powerpoint/2010/main" val="2462326195"/>
       </p:ext>
     </p:extLst>
   </p:cSld>
@@ -5502,10 +5502,10 @@
           <p:cNvPr id="15" name="Прямоугольник 14">
             <a:extLst>
               <a:ext uri="{FF2B5EF4-FFF2-40B4-BE49-F238E27FC236}">
-                <a16:creationId xmlns="" xmlns:a16="http://schemas.microsoft.com/office/drawing/2014/main" id="{493D4EDA-58E0-40CC-B3CA-14CDEB349D24}"/>
+                <a16:creationId xmlns:a16="http://schemas.microsoft.com/office/drawing/2014/main" xmlns="" id="{493D4EDA-58E0-40CC-B3CA-14CDEB349D24}"/>
               </a:ext>
               <a:ext uri="{C183D7F6-B498-43B3-948B-1728B52AA6E4}">
-                <adec:decorative xmlns="" xmlns:adec="http://schemas.microsoft.com/office/drawing/2017/decorative" val="1"/>
+                <adec:decorative xmlns:adec="http://schemas.microsoft.com/office/drawing/2017/decorative" xmlns="" val="1"/>
               </a:ext>
             </a:extLst>
           </p:cNvPr>
@@ -5515,7 +5515,7 @@
           <p:nvPr>
             <p:extLst>
               <p:ext uri="{386F3935-93C4-4BCD-93E2-E3B085C9AB24}">
-                <p16:designElem xmlns="" xmlns:p16="http://schemas.microsoft.com/office/powerpoint/2015/main" val="1"/>
+                <p16:designElem xmlns:p16="http://schemas.microsoft.com/office/powerpoint/2015/main" xmlns="" val="1"/>
               </p:ext>
             </p:extLst>
           </p:nvPr>
@@ -5562,7 +5562,7 @@
           <p:cNvPr id="7" name="Рисунок 6" descr="Цифровые подключения">
             <a:extLst>
               <a:ext uri="{FF2B5EF4-FFF2-40B4-BE49-F238E27FC236}">
-                <a16:creationId xmlns="" xmlns:a16="http://schemas.microsoft.com/office/drawing/2014/main" id="{3840F91C-EDD0-4D4E-A4AB-E6C77856C88C}"/>
+                <a16:creationId xmlns:a16="http://schemas.microsoft.com/office/drawing/2014/main" xmlns="" id="{3840F91C-EDD0-4D4E-A4AB-E6C77856C88C}"/>
               </a:ext>
             </a:extLst>
           </p:cNvPr>
@@ -5597,10 +5597,10 @@
           <p:cNvPr id="17" name="Группа 16">
             <a:extLst>
               <a:ext uri="{FF2B5EF4-FFF2-40B4-BE49-F238E27FC236}">
-                <a16:creationId xmlns="" xmlns:a16="http://schemas.microsoft.com/office/drawing/2014/main" id="{AA9EB0BC-A85E-4C26-B355-5DFCEF6CCB49}"/>
+                <a16:creationId xmlns:a16="http://schemas.microsoft.com/office/drawing/2014/main" xmlns="" id="{AA9EB0BC-A85E-4C26-B355-5DFCEF6CCB49}"/>
               </a:ext>
               <a:ext uri="{C183D7F6-B498-43B3-948B-1728B52AA6E4}">
-                <adec:decorative xmlns="" xmlns:adec="http://schemas.microsoft.com/office/drawing/2017/decorative" val="1"/>
+                <adec:decorative xmlns:adec="http://schemas.microsoft.com/office/drawing/2017/decorative" xmlns="" val="1"/>
               </a:ext>
             </a:extLst>
           </p:cNvPr>
@@ -5610,7 +5610,7 @@
           <p:nvPr>
             <p:extLst>
               <p:ext uri="{386F3935-93C4-4BCD-93E2-E3B085C9AB24}">
-                <p16:designElem xmlns="" xmlns:p16="http://schemas.microsoft.com/office/powerpoint/2015/main" val="1"/>
+                <p16:designElem xmlns:p16="http://schemas.microsoft.com/office/powerpoint/2015/main" xmlns="" val="1"/>
               </p:ext>
             </p:extLst>
           </p:nvPr>
@@ -5628,10 +5628,10 @@
             <p:cNvPr id="18" name="Прямоугольник 17">
               <a:extLst>
                 <a:ext uri="{FF2B5EF4-FFF2-40B4-BE49-F238E27FC236}">
-                  <a16:creationId xmlns="" xmlns:a16="http://schemas.microsoft.com/office/drawing/2014/main" id="{3643E56B-BD42-413D-B17D-7958270F5DE4}"/>
+                  <a16:creationId xmlns:a16="http://schemas.microsoft.com/office/drawing/2014/main" xmlns="" id="{3643E56B-BD42-413D-B17D-7958270F5DE4}"/>
                 </a:ext>
                 <a:ext uri="{C183D7F6-B498-43B3-948B-1728B52AA6E4}">
-                  <adec:decorative xmlns="" xmlns:adec="http://schemas.microsoft.com/office/drawing/2017/decorative" val="1"/>
+                  <adec:decorative xmlns:adec="http://schemas.microsoft.com/office/drawing/2017/decorative" xmlns="" val="1"/>
                 </a:ext>
               </a:extLst>
             </p:cNvPr>
@@ -5639,7 +5639,7 @@
             <p:nvPr>
               <p:extLst>
                 <p:ext uri="{386F3935-93C4-4BCD-93E2-E3B085C9AB24}">
-                  <p16:designElem xmlns="" xmlns:p16="http://schemas.microsoft.com/office/powerpoint/2015/main" val="1"/>
+                  <p16:designElem xmlns:p16="http://schemas.microsoft.com/office/powerpoint/2015/main" xmlns="" val="1"/>
                 </p:ext>
               </p:extLst>
             </p:nvPr>
@@ -5680,10 +5680,10 @@
             <p:cNvPr id="19" name="Прямоугольник 18">
               <a:extLst>
                 <a:ext uri="{FF2B5EF4-FFF2-40B4-BE49-F238E27FC236}">
-                  <a16:creationId xmlns="" xmlns:a16="http://schemas.microsoft.com/office/drawing/2014/main" id="{96C04F74-9467-4FA5-95DC-8D481A29740E}"/>
+                  <a16:creationId xmlns:a16="http://schemas.microsoft.com/office/drawing/2014/main" xmlns="" id="{96C04F74-9467-4FA5-95DC-8D481A29740E}"/>
                 </a:ext>
                 <a:ext uri="{C183D7F6-B498-43B3-948B-1728B52AA6E4}">
-                  <adec:decorative xmlns="" xmlns:adec="http://schemas.microsoft.com/office/drawing/2017/decorative" val="1"/>
+                  <adec:decorative xmlns:adec="http://schemas.microsoft.com/office/drawing/2017/decorative" xmlns="" val="1"/>
                 </a:ext>
               </a:extLst>
             </p:cNvPr>
@@ -5691,7 +5691,7 @@
             <p:nvPr>
               <p:extLst>
                 <p:ext uri="{386F3935-93C4-4BCD-93E2-E3B085C9AB24}">
-                  <p16:designElem xmlns="" xmlns:p16="http://schemas.microsoft.com/office/powerpoint/2015/main" val="1"/>
+                  <p16:designElem xmlns:p16="http://schemas.microsoft.com/office/powerpoint/2015/main" xmlns="" val="1"/>
                 </p:ext>
               </p:extLst>
             </p:nvPr>
@@ -5732,10 +5732,10 @@
             <p:cNvPr id="20" name="Прямоугольник 19">
               <a:extLst>
                 <a:ext uri="{FF2B5EF4-FFF2-40B4-BE49-F238E27FC236}">
-                  <a16:creationId xmlns="" xmlns:a16="http://schemas.microsoft.com/office/drawing/2014/main" id="{D73DE1C3-5C37-42E9-A3F0-256F1938327C}"/>
+                  <a16:creationId xmlns:a16="http://schemas.microsoft.com/office/drawing/2014/main" xmlns="" id="{D73DE1C3-5C37-42E9-A3F0-256F1938327C}"/>
                 </a:ext>
                 <a:ext uri="{C183D7F6-B498-43B3-948B-1728B52AA6E4}">
-                  <adec:decorative xmlns="" xmlns:adec="http://schemas.microsoft.com/office/drawing/2017/decorative" val="1"/>
+                  <adec:decorative xmlns:adec="http://schemas.microsoft.com/office/drawing/2017/decorative" xmlns="" val="1"/>
                 </a:ext>
               </a:extLst>
             </p:cNvPr>
@@ -5743,7 +5743,7 @@
             <p:nvPr>
               <p:extLst>
                 <p:ext uri="{386F3935-93C4-4BCD-93E2-E3B085C9AB24}">
-                  <p16:designElem xmlns="" xmlns:p16="http://schemas.microsoft.com/office/powerpoint/2015/main" val="1"/>
+                  <p16:designElem xmlns:p16="http://schemas.microsoft.com/office/powerpoint/2015/main" xmlns="" val="1"/>
                 </p:ext>
               </p:extLst>
             </p:nvPr>
@@ -5785,10 +5785,10 @@
           <p:cNvPr id="22" name="Прямоугольник 21">
             <a:extLst>
               <a:ext uri="{FF2B5EF4-FFF2-40B4-BE49-F238E27FC236}">
-                <a16:creationId xmlns="" xmlns:a16="http://schemas.microsoft.com/office/drawing/2014/main" id="{4A2E7EC3-E07C-46CE-9B25-41865A50681C}"/>
+                <a16:creationId xmlns:a16="http://schemas.microsoft.com/office/drawing/2014/main" xmlns="" id="{4A2E7EC3-E07C-46CE-9B25-41865A50681C}"/>
               </a:ext>
               <a:ext uri="{C183D7F6-B498-43B3-948B-1728B52AA6E4}">
-                <adec:decorative xmlns="" xmlns:adec="http://schemas.microsoft.com/office/drawing/2017/decorative" val="1"/>
+                <adec:decorative xmlns:adec="http://schemas.microsoft.com/office/drawing/2017/decorative" xmlns="" val="1"/>
               </a:ext>
             </a:extLst>
           </p:cNvPr>
@@ -5798,7 +5798,7 @@
           <p:nvPr>
             <p:extLst>
               <p:ext uri="{386F3935-93C4-4BCD-93E2-E3B085C9AB24}">
-                <p16:designElem xmlns="" xmlns:p16="http://schemas.microsoft.com/office/powerpoint/2015/main" val="1"/>
+                <p16:designElem xmlns:p16="http://schemas.microsoft.com/office/powerpoint/2015/main" xmlns="" val="1"/>
               </p:ext>
             </p:extLst>
           </p:nvPr>
@@ -5848,7 +5848,7 @@
           <p:cNvPr id="2" name="Заголовок 1">
             <a:extLst>
               <a:ext uri="{FF2B5EF4-FFF2-40B4-BE49-F238E27FC236}">
-                <a16:creationId xmlns="" xmlns:a16="http://schemas.microsoft.com/office/drawing/2014/main" id="{C02C5318-1A1E-49D0-B2E2-A4B0FA9E8A40}"/>
+                <a16:creationId xmlns:a16="http://schemas.microsoft.com/office/drawing/2014/main" xmlns="" id="{C02C5318-1A1E-49D0-B2E2-A4B0FA9E8A40}"/>
               </a:ext>
             </a:extLst>
           </p:cNvPr>
@@ -5902,7 +5902,7 @@
           <p:cNvPr id="3" name="Подзаголовок 2">
             <a:extLst>
               <a:ext uri="{FF2B5EF4-FFF2-40B4-BE49-F238E27FC236}">
-                <a16:creationId xmlns="" xmlns:a16="http://schemas.microsoft.com/office/drawing/2014/main" id="{48B6CF59-4E5B-494D-A2F7-97ADD01E6497}"/>
+                <a16:creationId xmlns:a16="http://schemas.microsoft.com/office/drawing/2014/main" xmlns="" id="{48B6CF59-4E5B-494D-A2F7-97ADD01E6497}"/>
               </a:ext>
             </a:extLst>
           </p:cNvPr>
@@ -5968,6 +5968,13 @@
   <p:clrMapOvr>
     <a:masterClrMapping/>
   </p:clrMapOvr>
+  <p:timing>
+    <p:tnLst>
+      <p:par>
+        <p:cTn id="1" dur="indefinite" restart="never" nodeType="tmRoot"/>
+      </p:par>
+    </p:tnLst>
+  </p:timing>
 </p:sld>
 </file>
 
@@ -5993,7 +6000,7 @@
           <p:cNvPr id="2" name="Заголовок 1">
             <a:extLst>
               <a:ext uri="{FF2B5EF4-FFF2-40B4-BE49-F238E27FC236}">
-                <a16:creationId xmlns="" xmlns:a16="http://schemas.microsoft.com/office/drawing/2014/main" id="{921633EB-7DCB-4DDC-80AF-C885A3EE1245}"/>
+                <a16:creationId xmlns:a16="http://schemas.microsoft.com/office/drawing/2014/main" xmlns="" id="{921633EB-7DCB-4DDC-80AF-C885A3EE1245}"/>
               </a:ext>
             </a:extLst>
           </p:cNvPr>
@@ -6056,13 +6063,13 @@
               </a:ext>
             </a:extLst>
           </a:blip>
-          <a:srcRect l="27759" t="16883" r="52516" b="50505"/>
+          <a:srcRect l="27826" t="19590" r="52516" b="50505"/>
           <a:stretch/>
         </p:blipFill>
         <p:spPr>
           <a:xfrm>
-            <a:off x="8294914" y="3097082"/>
-            <a:ext cx="1983921" cy="1845130"/>
+            <a:off x="6816436" y="3250275"/>
+            <a:ext cx="3462399" cy="2962745"/>
           </a:xfrm>
           <a:prstGeom prst="rect">
             <a:avLst/>
@@ -6104,7 +6111,7 @@
           <p:cNvPr id="2" name="Заголовок 1">
             <a:extLst>
               <a:ext uri="{FF2B5EF4-FFF2-40B4-BE49-F238E27FC236}">
-                <a16:creationId xmlns="" xmlns:a16="http://schemas.microsoft.com/office/drawing/2014/main" id="{921633EB-7DCB-4DDC-80AF-C885A3EE1245}"/>
+                <a16:creationId xmlns:a16="http://schemas.microsoft.com/office/drawing/2014/main" xmlns="" id="{921633EB-7DCB-4DDC-80AF-C885A3EE1245}"/>
               </a:ext>
             </a:extLst>
           </p:cNvPr>
@@ -6145,7 +6152,19 @@
           <a:p>
             <a:r>
               <a:rPr lang="ru-RU" dirty="0" smtClean="0"/>
-              <a:t>Перемещение инструментов</a:t>
+              <a:t>Перемещение </a:t>
+            </a:r>
+            <a:r>
+              <a:rPr lang="ru-RU" dirty="0" err="1" smtClean="0"/>
+              <a:t>тул</a:t>
+            </a:r>
+            <a:r>
+              <a:rPr lang="ru-RU" dirty="0"/>
+              <a:t>-</a:t>
+            </a:r>
+            <a:r>
+              <a:rPr lang="ru-RU" dirty="0" smtClean="0"/>
+              <a:t>бара</a:t>
             </a:r>
             <a:endParaRPr lang="en-US" dirty="0"/>
           </a:p>
@@ -6167,13 +6186,13 @@
               </a:ext>
             </a:extLst>
           </a:blip>
-          <a:srcRect l="27922" t="17316" r="30033" b="23665"/>
+          <a:srcRect l="27922" t="19981" r="30033" b="23665"/>
           <a:stretch/>
         </p:blipFill>
         <p:spPr>
           <a:xfrm>
-            <a:off x="6621235" y="2519606"/>
-            <a:ext cx="4229100" cy="3339193"/>
+            <a:off x="5968092" y="2568633"/>
+            <a:ext cx="4980214" cy="3754706"/>
           </a:xfrm>
           <a:prstGeom prst="rect">
             <a:avLst/>
@@ -6223,10 +6242,10 @@
           <p:cNvPr id="10" name="Прямоугольник 9">
             <a:extLst>
               <a:ext uri="{FF2B5EF4-FFF2-40B4-BE49-F238E27FC236}">
-                <a16:creationId xmlns="" xmlns:a16="http://schemas.microsoft.com/office/drawing/2014/main" id="{379F11E2-8BA5-4C5C-AE7C-361E5EA011FF}"/>
+                <a16:creationId xmlns:a16="http://schemas.microsoft.com/office/drawing/2014/main" xmlns="" id="{379F11E2-8BA5-4C5C-AE7C-361E5EA011FF}"/>
               </a:ext>
               <a:ext uri="{C183D7F6-B498-43B3-948B-1728B52AA6E4}">
-                <adec:decorative xmlns="" xmlns:adec="http://schemas.microsoft.com/office/drawing/2017/decorative" val="1"/>
+                <adec:decorative xmlns:adec="http://schemas.microsoft.com/office/drawing/2017/decorative" xmlns="" val="1"/>
               </a:ext>
             </a:extLst>
           </p:cNvPr>
@@ -6236,7 +6255,7 @@
           <p:nvPr>
             <p:extLst>
               <p:ext uri="{386F3935-93C4-4BCD-93E2-E3B085C9AB24}">
-                <p16:designElem xmlns="" xmlns:p16="http://schemas.microsoft.com/office/powerpoint/2015/main" val="1"/>
+                <p16:designElem xmlns:p16="http://schemas.microsoft.com/office/powerpoint/2015/main" xmlns="" val="1"/>
               </p:ext>
             </p:extLst>
           </p:nvPr>
@@ -6283,7 +6302,7 @@
           <p:cNvPr id="5" name="Рисунок 4" descr="Числа">
             <a:extLst>
               <a:ext uri="{FF2B5EF4-FFF2-40B4-BE49-F238E27FC236}">
-                <a16:creationId xmlns="" xmlns:a16="http://schemas.microsoft.com/office/drawing/2014/main" id="{A21EA617-6D48-425F-97A8-7FEC82C8F401}"/>
+                <a16:creationId xmlns:a16="http://schemas.microsoft.com/office/drawing/2014/main" xmlns="" id="{A21EA617-6D48-425F-97A8-7FEC82C8F401}"/>
               </a:ext>
             </a:extLst>
           </p:cNvPr>
@@ -6318,10 +6337,10 @@
           <p:cNvPr id="12" name="Прямоугольник 11">
             <a:extLst>
               <a:ext uri="{FF2B5EF4-FFF2-40B4-BE49-F238E27FC236}">
-                <a16:creationId xmlns="" xmlns:a16="http://schemas.microsoft.com/office/drawing/2014/main" id="{7C00E1DA-EC7C-40FC-95E3-11FDCD2E4291}"/>
+                <a16:creationId xmlns:a16="http://schemas.microsoft.com/office/drawing/2014/main" xmlns="" id="{7C00E1DA-EC7C-40FC-95E3-11FDCD2E4291}"/>
               </a:ext>
               <a:ext uri="{C183D7F6-B498-43B3-948B-1728B52AA6E4}">
-                <adec:decorative xmlns="" xmlns:adec="http://schemas.microsoft.com/office/drawing/2017/decorative" val="1"/>
+                <adec:decorative xmlns:adec="http://schemas.microsoft.com/office/drawing/2017/decorative" xmlns="" val="1"/>
               </a:ext>
             </a:extLst>
           </p:cNvPr>
@@ -6331,7 +6350,7 @@
           <p:nvPr>
             <p:extLst>
               <p:ext uri="{386F3935-93C4-4BCD-93E2-E3B085C9AB24}">
-                <p16:designElem xmlns="" xmlns:p16="http://schemas.microsoft.com/office/powerpoint/2015/main" val="1"/>
+                <p16:designElem xmlns:p16="http://schemas.microsoft.com/office/powerpoint/2015/main" xmlns="" val="1"/>
               </p:ext>
             </p:extLst>
           </p:nvPr>
@@ -6379,7 +6398,7 @@
           <p:cNvPr id="2" name="Заголовок 1">
             <a:extLst>
               <a:ext uri="{FF2B5EF4-FFF2-40B4-BE49-F238E27FC236}">
-                <a16:creationId xmlns="" xmlns:a16="http://schemas.microsoft.com/office/drawing/2014/main" id="{0F87E73C-2B1A-4602-BFBE-CFE1E55D9B38}"/>
+                <a16:creationId xmlns:a16="http://schemas.microsoft.com/office/drawing/2014/main" xmlns="" id="{0F87E73C-2B1A-4602-BFBE-CFE1E55D9B38}"/>
               </a:ext>
             </a:extLst>
           </p:cNvPr>
@@ -6424,7 +6443,7 @@
           <p:cNvPr id="3" name="Подзаголовок 2">
             <a:extLst>
               <a:ext uri="{FF2B5EF4-FFF2-40B4-BE49-F238E27FC236}">
-                <a16:creationId xmlns="" xmlns:a16="http://schemas.microsoft.com/office/drawing/2014/main" id="{A9CB511D-EA45-4336-847C-1252667143B5}"/>
+                <a16:creationId xmlns:a16="http://schemas.microsoft.com/office/drawing/2014/main" xmlns="" id="{A9CB511D-EA45-4336-847C-1252667143B5}"/>
               </a:ext>
             </a:extLst>
           </p:cNvPr>
@@ -6484,10 +6503,10 @@
           <p:cNvPr id="14" name="Группа 13">
             <a:extLst>
               <a:ext uri="{FF2B5EF4-FFF2-40B4-BE49-F238E27FC236}">
-                <a16:creationId xmlns="" xmlns:a16="http://schemas.microsoft.com/office/drawing/2014/main" id="{9A421166-2996-41A7-B094-AE5316F347DD}"/>
+                <a16:creationId xmlns:a16="http://schemas.microsoft.com/office/drawing/2014/main" xmlns="" id="{9A421166-2996-41A7-B094-AE5316F347DD}"/>
               </a:ext>
               <a:ext uri="{C183D7F6-B498-43B3-948B-1728B52AA6E4}">
-                <adec:decorative xmlns="" xmlns:adec="http://schemas.microsoft.com/office/drawing/2017/decorative" val="1"/>
+                <adec:decorative xmlns:adec="http://schemas.microsoft.com/office/drawing/2017/decorative" xmlns="" val="1"/>
               </a:ext>
             </a:extLst>
           </p:cNvPr>
@@ -6497,7 +6516,7 @@
           <p:nvPr>
             <p:extLst>
               <p:ext uri="{386F3935-93C4-4BCD-93E2-E3B085C9AB24}">
-                <p16:designElem xmlns="" xmlns:p16="http://schemas.microsoft.com/office/powerpoint/2015/main" val="1"/>
+                <p16:designElem xmlns:p16="http://schemas.microsoft.com/office/powerpoint/2015/main" xmlns="" val="1"/>
               </p:ext>
             </p:extLst>
           </p:nvPr>
@@ -6515,10 +6534,10 @@
             <p:cNvPr id="15" name="Прямоугольник 14">
               <a:extLst>
                 <a:ext uri="{FF2B5EF4-FFF2-40B4-BE49-F238E27FC236}">
-                  <a16:creationId xmlns="" xmlns:a16="http://schemas.microsoft.com/office/drawing/2014/main" id="{FDBB1B92-A3EB-43E4-8FAB-D20E8ED14CEF}"/>
+                  <a16:creationId xmlns:a16="http://schemas.microsoft.com/office/drawing/2014/main" xmlns="" id="{FDBB1B92-A3EB-43E4-8FAB-D20E8ED14CEF}"/>
                 </a:ext>
                 <a:ext uri="{C183D7F6-B498-43B3-948B-1728B52AA6E4}">
-                  <adec:decorative xmlns="" xmlns:adec="http://schemas.microsoft.com/office/drawing/2017/decorative" val="1"/>
+                  <adec:decorative xmlns:adec="http://schemas.microsoft.com/office/drawing/2017/decorative" xmlns="" val="1"/>
                 </a:ext>
               </a:extLst>
             </p:cNvPr>
@@ -6526,7 +6545,7 @@
             <p:nvPr>
               <p:extLst>
                 <p:ext uri="{386F3935-93C4-4BCD-93E2-E3B085C9AB24}">
-                  <p16:designElem xmlns="" xmlns:p16="http://schemas.microsoft.com/office/powerpoint/2015/main" val="1"/>
+                  <p16:designElem xmlns:p16="http://schemas.microsoft.com/office/powerpoint/2015/main" xmlns="" val="1"/>
                 </p:ext>
               </p:extLst>
             </p:nvPr>
@@ -6567,10 +6586,10 @@
             <p:cNvPr id="16" name="Прямоугольник 15">
               <a:extLst>
                 <a:ext uri="{FF2B5EF4-FFF2-40B4-BE49-F238E27FC236}">
-                  <a16:creationId xmlns="" xmlns:a16="http://schemas.microsoft.com/office/drawing/2014/main" id="{3F3972F4-FE7E-48EA-AAD8-9BE5750A6672}"/>
+                  <a16:creationId xmlns:a16="http://schemas.microsoft.com/office/drawing/2014/main" xmlns="" id="{3F3972F4-FE7E-48EA-AAD8-9BE5750A6672}"/>
                 </a:ext>
                 <a:ext uri="{C183D7F6-B498-43B3-948B-1728B52AA6E4}">
-                  <adec:decorative xmlns="" xmlns:adec="http://schemas.microsoft.com/office/drawing/2017/decorative" val="1"/>
+                  <adec:decorative xmlns:adec="http://schemas.microsoft.com/office/drawing/2017/decorative" xmlns="" val="1"/>
                 </a:ext>
               </a:extLst>
             </p:cNvPr>
@@ -6578,7 +6597,7 @@
             <p:nvPr>
               <p:extLst>
                 <p:ext uri="{386F3935-93C4-4BCD-93E2-E3B085C9AB24}">
-                  <p16:designElem xmlns="" xmlns:p16="http://schemas.microsoft.com/office/powerpoint/2015/main" val="1"/>
+                  <p16:designElem xmlns:p16="http://schemas.microsoft.com/office/powerpoint/2015/main" xmlns="" val="1"/>
                 </p:ext>
               </p:extLst>
             </p:nvPr>
@@ -6619,10 +6638,10 @@
             <p:cNvPr id="17" name="Прямоугольник 16">
               <a:extLst>
                 <a:ext uri="{FF2B5EF4-FFF2-40B4-BE49-F238E27FC236}">
-                  <a16:creationId xmlns="" xmlns:a16="http://schemas.microsoft.com/office/drawing/2014/main" id="{221614E5-870B-4D5E-A43B-8FF7E5323484}"/>
+                  <a16:creationId xmlns:a16="http://schemas.microsoft.com/office/drawing/2014/main" xmlns="" id="{221614E5-870B-4D5E-A43B-8FF7E5323484}"/>
                 </a:ext>
                 <a:ext uri="{C183D7F6-B498-43B3-948B-1728B52AA6E4}">
-                  <adec:decorative xmlns="" xmlns:adec="http://schemas.microsoft.com/office/drawing/2017/decorative" val="1"/>
+                  <adec:decorative xmlns:adec="http://schemas.microsoft.com/office/drawing/2017/decorative" xmlns="" val="1"/>
                 </a:ext>
               </a:extLst>
             </p:cNvPr>
@@ -6630,7 +6649,7 @@
             <p:nvPr>
               <p:extLst>
                 <p:ext uri="{386F3935-93C4-4BCD-93E2-E3B085C9AB24}">
-                  <p16:designElem xmlns="" xmlns:p16="http://schemas.microsoft.com/office/powerpoint/2015/main" val="1"/>
+                  <p16:designElem xmlns:p16="http://schemas.microsoft.com/office/powerpoint/2015/main" xmlns="" val="1"/>
                 </p:ext>
               </p:extLst>
             </p:nvPr>
@@ -6824,6 +6843,13 @@
   <p:clrMapOvr>
     <a:masterClrMapping/>
   </p:clrMapOvr>
+  <p:timing>
+    <p:tnLst>
+      <p:par>
+        <p:cTn id="1" dur="indefinite" restart="never" nodeType="tmRoot"/>
+      </p:par>
+    </p:tnLst>
+  </p:timing>
 </p:sld>
 </file>
 
@@ -6857,7 +6883,7 @@
           <p:cNvPr id="2" name="Заголовок 1">
             <a:extLst>
               <a:ext uri="{FF2B5EF4-FFF2-40B4-BE49-F238E27FC236}">
-                <a16:creationId xmlns="" xmlns:a16="http://schemas.microsoft.com/office/drawing/2014/main" id="{921633EB-7DCB-4DDC-80AF-C885A3EE1245}"/>
+                <a16:creationId xmlns:a16="http://schemas.microsoft.com/office/drawing/2014/main" xmlns="" id="{921633EB-7DCB-4DDC-80AF-C885A3EE1245}"/>
               </a:ext>
             </a:extLst>
           </p:cNvPr>
@@ -6936,7 +6962,6 @@
               <a:rPr lang="ru-RU" dirty="0" smtClean="0"/>
               <a:t>выйти из приложения</a:t>
             </a:r>
-            <a:endParaRPr lang="ru-RU" dirty="0" smtClean="0"/>
           </a:p>
           <a:p>
             <a:r>
@@ -6969,13 +6994,13 @@
               </a:ext>
             </a:extLst>
           </a:blip>
-          <a:srcRect l="27922" t="17028" r="61526" b="55700"/>
+          <a:srcRect l="27922" t="20105" r="61526" b="55700"/>
           <a:stretch/>
         </p:blipFill>
         <p:spPr>
           <a:xfrm>
-            <a:off x="8556170" y="2514601"/>
-            <a:ext cx="2204358" cy="3204798"/>
+            <a:off x="8556170" y="2876203"/>
+            <a:ext cx="2204358" cy="2843195"/>
           </a:xfrm>
           <a:prstGeom prst="rect">
             <a:avLst/>
@@ -6992,6 +7017,13 @@
   <p:clrMapOvr>
     <a:masterClrMapping/>
   </p:clrMapOvr>
+  <p:timing>
+    <p:tnLst>
+      <p:par>
+        <p:cTn id="1" dur="indefinite" restart="never" nodeType="tmRoot"/>
+      </p:par>
+    </p:tnLst>
+  </p:timing>
 </p:sld>
 </file>
 
@@ -7017,7 +7049,7 @@
           <p:cNvPr id="2" name="Заголовок 1">
             <a:extLst>
               <a:ext uri="{FF2B5EF4-FFF2-40B4-BE49-F238E27FC236}">
-                <a16:creationId xmlns="" xmlns:a16="http://schemas.microsoft.com/office/drawing/2014/main" id="{921633EB-7DCB-4DDC-80AF-C885A3EE1245}"/>
+                <a16:creationId xmlns:a16="http://schemas.microsoft.com/office/drawing/2014/main" xmlns="" id="{921633EB-7DCB-4DDC-80AF-C885A3EE1245}"/>
               </a:ext>
             </a:extLst>
           </p:cNvPr>
@@ -7090,13 +7122,13 @@
               </a:ext>
             </a:extLst>
           </a:blip>
-          <a:srcRect l="35078" t="29150" r="49311" b="48974"/>
+          <a:srcRect l="35078" t="34806" r="49311" b="48974"/>
           <a:stretch/>
         </p:blipFill>
         <p:spPr>
           <a:xfrm>
-            <a:off x="6095999" y="2334986"/>
-            <a:ext cx="4654836" cy="3669101"/>
+            <a:off x="6095999" y="3283527"/>
+            <a:ext cx="4654836" cy="2720560"/>
           </a:xfrm>
           <a:prstGeom prst="rect">
             <a:avLst/>
@@ -7113,6 +7145,13 @@
   <p:clrMapOvr>
     <a:masterClrMapping/>
   </p:clrMapOvr>
+  <p:timing>
+    <p:tnLst>
+      <p:par>
+        <p:cTn id="1" dur="indefinite" restart="never" nodeType="tmRoot"/>
+      </p:par>
+    </p:tnLst>
+  </p:timing>
 </p:sld>
 </file>
 
@@ -7138,7 +7177,7 @@
           <p:cNvPr id="2" name="Заголовок 1">
             <a:extLst>
               <a:ext uri="{FF2B5EF4-FFF2-40B4-BE49-F238E27FC236}">
-                <a16:creationId xmlns="" xmlns:a16="http://schemas.microsoft.com/office/drawing/2014/main" id="{921633EB-7DCB-4DDC-80AF-C885A3EE1245}"/>
+                <a16:creationId xmlns:a16="http://schemas.microsoft.com/office/drawing/2014/main" xmlns="" id="{921633EB-7DCB-4DDC-80AF-C885A3EE1245}"/>
               </a:ext>
             </a:extLst>
           </p:cNvPr>
@@ -7179,24 +7218,7 @@
           <a:p>
             <a:r>
               <a:rPr lang="ru-RU" dirty="0" smtClean="0"/>
-              <a:t>открытие последних файлов</a:t>
-            </a:r>
-          </a:p>
-          <a:p>
-            <a:pPr marL="0" indent="0">
-              <a:buNone/>
-            </a:pPr>
-            <a:r>
-              <a:rPr lang="en-US" dirty="0" smtClean="0"/>
-              <a:t>(</a:t>
-            </a:r>
-            <a:r>
-              <a:rPr lang="ru-RU" dirty="0" smtClean="0"/>
-              <a:t>использование базы данных</a:t>
-            </a:r>
-            <a:r>
-              <a:rPr lang="en-US" dirty="0" smtClean="0"/>
-              <a:t>)</a:t>
+              <a:t>Ластик(изменение размера)</a:t>
             </a:r>
             <a:endParaRPr lang="en-US" dirty="0"/>
           </a:p>
@@ -7218,13 +7240,13 @@
               </a:ext>
             </a:extLst>
           </a:blip>
-          <a:srcRect l="27841" t="17460" r="28004" b="22943"/>
+          <a:srcRect t="14297" b="53980"/>
           <a:stretch/>
         </p:blipFill>
         <p:spPr>
           <a:xfrm>
-            <a:off x="6564085" y="2424792"/>
-            <a:ext cx="4441371" cy="3371851"/>
+            <a:off x="5764322" y="3690257"/>
+            <a:ext cx="4925112" cy="1012372"/>
           </a:xfrm>
           <a:prstGeom prst="rect">
             <a:avLst/>
@@ -7234,13 +7256,20 @@
     </p:spTree>
     <p:extLst>
       <p:ext uri="{BB962C8B-B14F-4D97-AF65-F5344CB8AC3E}">
-        <p14:creationId xmlns:p14="http://schemas.microsoft.com/office/powerpoint/2010/main" val="990991983"/>
+        <p14:creationId xmlns:p14="http://schemas.microsoft.com/office/powerpoint/2010/main" val="3236985693"/>
       </p:ext>
     </p:extLst>
   </p:cSld>
   <p:clrMapOvr>
     <a:masterClrMapping/>
   </p:clrMapOvr>
+  <p:timing>
+    <p:tnLst>
+      <p:par>
+        <p:cTn id="1" dur="indefinite" restart="never" nodeType="tmRoot"/>
+      </p:par>
+    </p:tnLst>
+  </p:timing>
 </p:sld>
 </file>
 
@@ -7266,7 +7295,7 @@
           <p:cNvPr id="2" name="Заголовок 1">
             <a:extLst>
               <a:ext uri="{FF2B5EF4-FFF2-40B4-BE49-F238E27FC236}">
-                <a16:creationId xmlns="" xmlns:a16="http://schemas.microsoft.com/office/drawing/2014/main" id="{921633EB-7DCB-4DDC-80AF-C885A3EE1245}"/>
+                <a16:creationId xmlns:a16="http://schemas.microsoft.com/office/drawing/2014/main" xmlns="" id="{921633EB-7DCB-4DDC-80AF-C885A3EE1245}"/>
               </a:ext>
             </a:extLst>
           </p:cNvPr>
@@ -7306,12 +7335,25 @@
           <a:lstStyle/>
           <a:p>
             <a:r>
-              <a:rPr lang="ru-RU" dirty="0"/>
-              <a:t>выбор </a:t>
-            </a:r>
-            <a:r>
               <a:rPr lang="ru-RU" dirty="0" smtClean="0"/>
-              <a:t>фигур</a:t>
+              <a:t>открытие последних файлов</a:t>
+            </a:r>
+          </a:p>
+          <a:p>
+            <a:pPr marL="0" indent="0">
+              <a:buNone/>
+            </a:pPr>
+            <a:r>
+              <a:rPr lang="en-US" dirty="0" smtClean="0"/>
+              <a:t>(</a:t>
+            </a:r>
+            <a:r>
+              <a:rPr lang="ru-RU" dirty="0" smtClean="0"/>
+              <a:t>использование базы данных</a:t>
+            </a:r>
+            <a:r>
+              <a:rPr lang="en-US" dirty="0" smtClean="0"/>
+              <a:t>)</a:t>
             </a:r>
             <a:endParaRPr lang="en-US" dirty="0"/>
           </a:p>
@@ -7319,7 +7361,7 @@
       </p:sp>
       <p:pic>
         <p:nvPicPr>
-          <p:cNvPr id="5" name="Рисунок 4"/>
+          <p:cNvPr id="4" name="Рисунок 3"/>
           <p:cNvPicPr>
             <a:picLocks noChangeAspect="1"/>
           </p:cNvPicPr>
@@ -7333,13 +7375,13 @@
               </a:ext>
             </a:extLst>
           </a:blip>
-          <a:srcRect l="27922" t="17316" r="46591" b="52093"/>
+          <a:srcRect l="35471" t="32179" r="35601" b="35772"/>
           <a:stretch/>
         </p:blipFill>
         <p:spPr>
           <a:xfrm>
-            <a:off x="7911193" y="2735035"/>
-            <a:ext cx="2563586" cy="1730829"/>
+            <a:off x="6973170" y="2719023"/>
+            <a:ext cx="4174346" cy="2601248"/>
           </a:xfrm>
           <a:prstGeom prst="rect">
             <a:avLst/>
@@ -7349,13 +7391,20 @@
     </p:spTree>
     <p:extLst>
       <p:ext uri="{BB962C8B-B14F-4D97-AF65-F5344CB8AC3E}">
-        <p14:creationId xmlns:p14="http://schemas.microsoft.com/office/powerpoint/2010/main" val="1904564487"/>
+        <p14:creationId xmlns:p14="http://schemas.microsoft.com/office/powerpoint/2010/main" val="990991983"/>
       </p:ext>
     </p:extLst>
   </p:cSld>
   <p:clrMapOvr>
     <a:masterClrMapping/>
   </p:clrMapOvr>
+  <p:timing>
+    <p:tnLst>
+      <p:par>
+        <p:cTn id="1" dur="indefinite" restart="never" nodeType="tmRoot"/>
+      </p:par>
+    </p:tnLst>
+  </p:timing>
 </p:sld>
 </file>
 
@@ -7381,7 +7430,129 @@
           <p:cNvPr id="2" name="Заголовок 1">
             <a:extLst>
               <a:ext uri="{FF2B5EF4-FFF2-40B4-BE49-F238E27FC236}">
-                <a16:creationId xmlns="" xmlns:a16="http://schemas.microsoft.com/office/drawing/2014/main" id="{921633EB-7DCB-4DDC-80AF-C885A3EE1245}"/>
+                <a16:creationId xmlns:a16="http://schemas.microsoft.com/office/drawing/2014/main" xmlns="" id="{921633EB-7DCB-4DDC-80AF-C885A3EE1245}"/>
+              </a:ext>
+            </a:extLst>
+          </p:cNvPr>
+          <p:cNvSpPr>
+            <a:spLocks noGrp="1"/>
+          </p:cNvSpPr>
+          <p:nvPr>
+            <p:ph type="title"/>
+          </p:nvPr>
+        </p:nvSpPr>
+        <p:spPr/>
+        <p:txBody>
+          <a:bodyPr rtlCol="0"/>
+          <a:lstStyle/>
+          <a:p>
+            <a:r>
+              <a:rPr lang="ru-RU" b="1" i="1" dirty="0"/>
+              <a:t>Основные действия, производимые в этом приложении:</a:t>
+            </a:r>
+            <a:endParaRPr lang="ru-RU" dirty="0"/>
+          </a:p>
+        </p:txBody>
+      </p:sp>
+      <p:sp>
+        <p:nvSpPr>
+          <p:cNvPr id="3" name="Объект 2"/>
+          <p:cNvSpPr>
+            <a:spLocks noGrp="1"/>
+          </p:cNvSpPr>
+          <p:nvPr>
+            <p:ph idx="1"/>
+          </p:nvPr>
+        </p:nvSpPr>
+        <p:spPr/>
+        <p:txBody>
+          <a:bodyPr/>
+          <a:lstStyle/>
+          <a:p>
+            <a:r>
+              <a:rPr lang="ru-RU" dirty="0"/>
+              <a:t>выбор </a:t>
+            </a:r>
+            <a:r>
+              <a:rPr lang="ru-RU" dirty="0" smtClean="0"/>
+              <a:t>фигур</a:t>
+            </a:r>
+            <a:endParaRPr lang="en-US" dirty="0"/>
+          </a:p>
+        </p:txBody>
+      </p:sp>
+      <p:pic>
+        <p:nvPicPr>
+          <p:cNvPr id="5" name="Рисунок 4"/>
+          <p:cNvPicPr>
+            <a:picLocks noChangeAspect="1"/>
+          </p:cNvPicPr>
+          <p:nvPr/>
+        </p:nvPicPr>
+        <p:blipFill rotWithShape="1">
+          <a:blip r:embed="rId3">
+            <a:extLst>
+              <a:ext uri="{28A0092B-C50C-407E-A947-70E740481C1C}">
+                <a14:useLocalDpi xmlns:a14="http://schemas.microsoft.com/office/drawing/2010/main" val="0"/>
+              </a:ext>
+            </a:extLst>
+          </a:blip>
+          <a:srcRect l="27922" t="20252" r="63458" b="72255"/>
+          <a:stretch/>
+        </p:blipFill>
+        <p:spPr>
+          <a:xfrm>
+            <a:off x="5573280" y="2958292"/>
+            <a:ext cx="5637918" cy="2756708"/>
+          </a:xfrm>
+          <a:prstGeom prst="rect">
+            <a:avLst/>
+          </a:prstGeom>
+        </p:spPr>
+      </p:pic>
+    </p:spTree>
+    <p:extLst>
+      <p:ext uri="{BB962C8B-B14F-4D97-AF65-F5344CB8AC3E}">
+        <p14:creationId xmlns:p14="http://schemas.microsoft.com/office/powerpoint/2010/main" val="1904564487"/>
+      </p:ext>
+    </p:extLst>
+  </p:cSld>
+  <p:clrMapOvr>
+    <a:masterClrMapping/>
+  </p:clrMapOvr>
+  <p:timing>
+    <p:tnLst>
+      <p:par>
+        <p:cTn id="1" dur="indefinite" restart="never" nodeType="tmRoot"/>
+      </p:par>
+    </p:tnLst>
+  </p:timing>
+</p:sld>
+</file>
+
+<file path=ppt/slides/slide8.xml><?xml version="1.0" encoding="utf-8"?>
+<p:sld xmlns:a="http://schemas.openxmlformats.org/drawingml/2006/main" xmlns:r="http://schemas.openxmlformats.org/officeDocument/2006/relationships" xmlns:p="http://schemas.openxmlformats.org/presentationml/2006/main">
+  <p:cSld>
+    <p:spTree>
+      <p:nvGrpSpPr>
+        <p:cNvPr id="1" name=""/>
+        <p:cNvGrpSpPr/>
+        <p:nvPr/>
+      </p:nvGrpSpPr>
+      <p:grpSpPr>
+        <a:xfrm>
+          <a:off x="0" y="0"/>
+          <a:ext cx="0" cy="0"/>
+          <a:chOff x="0" y="0"/>
+          <a:chExt cx="0" cy="0"/>
+        </a:xfrm>
+      </p:grpSpPr>
+      <p:sp>
+        <p:nvSpPr>
+          <p:cNvPr id="2" name="Заголовок 1">
+            <a:extLst>
+              <a:ext uri="{FF2B5EF4-FFF2-40B4-BE49-F238E27FC236}">
+                <a16:creationId xmlns:a16="http://schemas.microsoft.com/office/drawing/2014/main" xmlns="" id="{921633EB-7DCB-4DDC-80AF-C885A3EE1245}"/>
               </a:ext>
             </a:extLst>
           </p:cNvPr>
@@ -7467,10 +7638,17 @@
   <p:clrMapOvr>
     <a:masterClrMapping/>
   </p:clrMapOvr>
+  <p:timing>
+    <p:tnLst>
+      <p:par>
+        <p:cTn id="1" dur="indefinite" restart="never" nodeType="tmRoot"/>
+      </p:par>
+    </p:tnLst>
+  </p:timing>
 </p:sld>
 </file>
 
-<file path=ppt/slides/slide8.xml><?xml version="1.0" encoding="utf-8"?>
+<file path=ppt/slides/slide9.xml><?xml version="1.0" encoding="utf-8"?>
 <p:sld xmlns:a="http://schemas.openxmlformats.org/drawingml/2006/main" xmlns:r="http://schemas.openxmlformats.org/officeDocument/2006/relationships" xmlns:p="http://schemas.openxmlformats.org/presentationml/2006/main">
   <p:cSld>
     <p:spTree>
@@ -7492,7 +7670,7 @@
           <p:cNvPr id="2" name="Заголовок 1">
             <a:extLst>
               <a:ext uri="{FF2B5EF4-FFF2-40B4-BE49-F238E27FC236}">
-                <a16:creationId xmlns="" xmlns:a16="http://schemas.microsoft.com/office/drawing/2014/main" id="{921633EB-7DCB-4DDC-80AF-C885A3EE1245}"/>
+                <a16:creationId xmlns:a16="http://schemas.microsoft.com/office/drawing/2014/main" xmlns="" id="{921633EB-7DCB-4DDC-80AF-C885A3EE1245}"/>
               </a:ext>
             </a:extLst>
           </p:cNvPr>
@@ -7572,117 +7750,6 @@
     <p:extLst>
       <p:ext uri="{BB962C8B-B14F-4D97-AF65-F5344CB8AC3E}">
         <p14:creationId xmlns:p14="http://schemas.microsoft.com/office/powerpoint/2010/main" val="3427836861"/>
-      </p:ext>
-    </p:extLst>
-  </p:cSld>
-  <p:clrMapOvr>
-    <a:masterClrMapping/>
-  </p:clrMapOvr>
-</p:sld>
-</file>
-
-<file path=ppt/slides/slide9.xml><?xml version="1.0" encoding="utf-8"?>
-<p:sld xmlns:a="http://schemas.openxmlformats.org/drawingml/2006/main" xmlns:r="http://schemas.openxmlformats.org/officeDocument/2006/relationships" xmlns:p="http://schemas.openxmlformats.org/presentationml/2006/main">
-  <p:cSld>
-    <p:spTree>
-      <p:nvGrpSpPr>
-        <p:cNvPr id="1" name=""/>
-        <p:cNvGrpSpPr/>
-        <p:nvPr/>
-      </p:nvGrpSpPr>
-      <p:grpSpPr>
-        <a:xfrm>
-          <a:off x="0" y="0"/>
-          <a:ext cx="0" cy="0"/>
-          <a:chOff x="0" y="0"/>
-          <a:chExt cx="0" cy="0"/>
-        </a:xfrm>
-      </p:grpSpPr>
-      <p:sp>
-        <p:nvSpPr>
-          <p:cNvPr id="2" name="Заголовок 1">
-            <a:extLst>
-              <a:ext uri="{FF2B5EF4-FFF2-40B4-BE49-F238E27FC236}">
-                <a16:creationId xmlns="" xmlns:a16="http://schemas.microsoft.com/office/drawing/2014/main" id="{921633EB-7DCB-4DDC-80AF-C885A3EE1245}"/>
-              </a:ext>
-            </a:extLst>
-          </p:cNvPr>
-          <p:cNvSpPr>
-            <a:spLocks noGrp="1"/>
-          </p:cNvSpPr>
-          <p:nvPr>
-            <p:ph type="title"/>
-          </p:nvPr>
-        </p:nvSpPr>
-        <p:spPr/>
-        <p:txBody>
-          <a:bodyPr rtlCol="0"/>
-          <a:lstStyle/>
-          <a:p>
-            <a:r>
-              <a:rPr lang="ru-RU" dirty="0" smtClean="0"/>
-              <a:t>Фишки приложения</a:t>
-            </a:r>
-            <a:endParaRPr lang="ru-RU" dirty="0"/>
-          </a:p>
-        </p:txBody>
-      </p:sp>
-      <p:sp>
-        <p:nvSpPr>
-          <p:cNvPr id="3" name="Объект 2"/>
-          <p:cNvSpPr>
-            <a:spLocks noGrp="1"/>
-          </p:cNvSpPr>
-          <p:nvPr>
-            <p:ph idx="1"/>
-          </p:nvPr>
-        </p:nvSpPr>
-        <p:spPr/>
-        <p:txBody>
-          <a:bodyPr/>
-          <a:lstStyle/>
-          <a:p>
-            <a:r>
-              <a:rPr lang="ru-RU" dirty="0" smtClean="0"/>
-              <a:t>Напоминание о сохранения файла</a:t>
-            </a:r>
-            <a:endParaRPr lang="en-US" dirty="0"/>
-          </a:p>
-        </p:txBody>
-      </p:sp>
-      <p:pic>
-        <p:nvPicPr>
-          <p:cNvPr id="4" name="Рисунок 3"/>
-          <p:cNvPicPr>
-            <a:picLocks noChangeAspect="1"/>
-          </p:cNvPicPr>
-          <p:nvPr/>
-        </p:nvPicPr>
-        <p:blipFill rotWithShape="1">
-          <a:blip r:embed="rId3">
-            <a:extLst>
-              <a:ext uri="{28A0092B-C50C-407E-A947-70E740481C1C}">
-                <a14:useLocalDpi xmlns:a14="http://schemas.microsoft.com/office/drawing/2010/main" val="0"/>
-              </a:ext>
-            </a:extLst>
-          </a:blip>
-          <a:srcRect l="31088" t="30736" r="28815" b="32323"/>
-          <a:stretch/>
-        </p:blipFill>
-        <p:spPr>
-          <a:xfrm>
-            <a:off x="7429499" y="3233057"/>
-            <a:ext cx="4033158" cy="2090058"/>
-          </a:xfrm>
-          <a:prstGeom prst="rect">
-            <a:avLst/>
-          </a:prstGeom>
-        </p:spPr>
-      </p:pic>
-    </p:spTree>
-    <p:extLst>
-      <p:ext uri="{BB962C8B-B14F-4D97-AF65-F5344CB8AC3E}">
-        <p14:creationId xmlns:p14="http://schemas.microsoft.com/office/powerpoint/2010/main" val="656539386"/>
       </p:ext>
     </p:extLst>
   </p:cSld>
@@ -8552,15 +8619,6 @@
 </file>
 
 <file path=customXml/item1.xml><?xml version="1.0" encoding="utf-8"?>
-<?mso-contentType ?>
-<FormTemplates xmlns="http://schemas.microsoft.com/sharepoint/v3/contenttype/forms">
-  <Display>DocumentLibraryForm</Display>
-  <Edit>DocumentLibraryForm</Edit>
-  <New>DocumentLibraryForm</New>
-</FormTemplates>
-</file>
-
-<file path=customXml/item2.xml><?xml version="1.0" encoding="utf-8"?>
 <ct:contentTypeSchema xmlns:ct="http://schemas.microsoft.com/office/2006/metadata/contentType" xmlns:ma="http://schemas.microsoft.com/office/2006/metadata/properties/metaAttributes" ct:_="" ma:_="" ma:contentTypeName="Document" ma:contentTypeID="0x01010079F111ED35F8CC479449609E8A0923A6" ma:contentTypeVersion="11" ma:contentTypeDescription="Create a new document." ma:contentTypeScope="" ma:versionID="1c2eb7a32e66fb6e4260f3771546a5e2">
   <xsd:schema xmlns:xsd="http://www.w3.org/2001/XMLSchema" xmlns:xs="http://www.w3.org/2001/XMLSchema" xmlns:p="http://schemas.microsoft.com/office/2006/metadata/properties" xmlns:ns2="71af3243-3dd4-4a8d-8c0d-dd76da1f02a5" xmlns:ns3="16c05727-aa75-4e4a-9b5f-8a80a1165891" targetNamespace="http://schemas.microsoft.com/office/2006/metadata/properties" ma:root="true" ma:fieldsID="04e1f6479c48b08974ba73b5ca973489" ns2:_="" ns3:_="">
     <xsd:import namespace="71af3243-3dd4-4a8d-8c0d-dd76da1f02a5"/>
@@ -8771,6 +8829,15 @@
 </ct:contentTypeSchema>
 </file>
 
+<file path=customXml/item2.xml><?xml version="1.0" encoding="utf-8"?>
+<?mso-contentType ?>
+<FormTemplates xmlns="http://schemas.microsoft.com/sharepoint/v3/contenttype/forms">
+  <Display>DocumentLibraryForm</Display>
+  <Edit>DocumentLibraryForm</Edit>
+  <New>DocumentLibraryForm</New>
+</FormTemplates>
+</file>
+
 <file path=customXml/item3.xml><?xml version="1.0" encoding="utf-8"?>
 <p:properties xmlns:p="http://schemas.microsoft.com/office/2006/metadata/properties" xmlns:xsi="http://www.w3.org/2001/XMLSchema-instance" xmlns:pc="http://schemas.microsoft.com/office/infopath/2007/PartnerControls">
   <documentManagement>
@@ -8780,14 +8847,6 @@
 </file>
 
 <file path=customXml/itemProps1.xml><?xml version="1.0" encoding="utf-8"?>
-<ds:datastoreItem xmlns:ds="http://schemas.openxmlformats.org/officeDocument/2006/customXml" ds:itemID="{BA0CF3B2-1F0F-4FC5-8002-3E4869ABAD55}">
-  <ds:schemaRefs>
-    <ds:schemaRef ds:uri="http://schemas.microsoft.com/sharepoint/v3/contenttype/forms"/>
-  </ds:schemaRefs>
-</ds:datastoreItem>
-</file>
-
-<file path=customXml/itemProps2.xml><?xml version="1.0" encoding="utf-8"?>
 <ds:datastoreItem xmlns:ds="http://schemas.openxmlformats.org/officeDocument/2006/customXml" ds:itemID="{1F69AFF4-BB30-4BA0-AD22-82CC3C43276B}">
   <ds:schemaRefs>
     <ds:schemaRef ds:uri="http://schemas.microsoft.com/office/2006/metadata/contentType"/>
@@ -8806,6 +8865,14 @@
 </ds:datastoreItem>
 </file>
 
+<file path=customXml/itemProps2.xml><?xml version="1.0" encoding="utf-8"?>
+<ds:datastoreItem xmlns:ds="http://schemas.openxmlformats.org/officeDocument/2006/customXml" ds:itemID="{BA0CF3B2-1F0F-4FC5-8002-3E4869ABAD55}">
+  <ds:schemaRefs>
+    <ds:schemaRef ds:uri="http://schemas.microsoft.com/sharepoint/v3/contenttype/forms"/>
+  </ds:schemaRefs>
+</ds:datastoreItem>
+</file>
+
 <file path=customXml/itemProps3.xml><?xml version="1.0" encoding="utf-8"?>
 <ds:datastoreItem xmlns:ds="http://schemas.openxmlformats.org/officeDocument/2006/customXml" ds:itemID="{1EBC12AA-1C15-4500-BC9C-8EE83A441DE9}">
   <ds:schemaRefs>
